--- a/mohit hajela.pptx
+++ b/mohit hajela.pptx
@@ -125,6 +125,43 @@
     </p:ext>
   </p:extLst>
 </p:presentation>
+</file>
+
+<file path=ppt/revisionInfo.xml><?xml version="1.0" encoding="utf-8"?>
+<p1510:revInfo xmlns:a="http://schemas.openxmlformats.org/drawingml/2006/main" xmlns:r="http://schemas.openxmlformats.org/officeDocument/2006/relationships" xmlns:p1510="http://schemas.microsoft.com/office/powerpoint/2015/10/main">
+  <p1510:revLst>
+    <p1510:client id="{6BB8B7F2-ED70-483D-9C0E-35C7E47A2E90}" v="40" dt="2024-08-16T12:15:18.779"/>
+  </p1510:revLst>
+</p1510:revInfo>
+</file>
+
+<file path=ppt/changesInfos/changesInfo1.xml><?xml version="1.0" encoding="utf-8"?>
+<pc:chgInfo xmlns:a="http://schemas.openxmlformats.org/drawingml/2006/main" xmlns:r="http://schemas.openxmlformats.org/officeDocument/2006/relationships" xmlns:ac="http://schemas.microsoft.com/office/drawing/2013/main/command" xmlns:pc="http://schemas.microsoft.com/office/powerpoint/2013/main/command">
+  <pc:docChgLst>
+    <pc:chgData name="Hajela, Rajneesh" userId="f6292950-97fd-49ca-9891-0dcd5d1f2546" providerId="ADAL" clId="{6BB8B7F2-ED70-483D-9C0E-35C7E47A2E90}"/>
+    <pc:docChg chg="custSel modSld">
+      <pc:chgData name="Hajela, Rajneesh" userId="f6292950-97fd-49ca-9891-0dcd5d1f2546" providerId="ADAL" clId="{6BB8B7F2-ED70-483D-9C0E-35C7E47A2E90}" dt="2024-08-16T12:15:18.777" v="41" actId="2711"/>
+      <pc:docMkLst>
+        <pc:docMk/>
+      </pc:docMkLst>
+      <pc:sldChg chg="modSp mod modAnim">
+        <pc:chgData name="Hajela, Rajneesh" userId="f6292950-97fd-49ca-9891-0dcd5d1f2546" providerId="ADAL" clId="{6BB8B7F2-ED70-483D-9C0E-35C7E47A2E90}" dt="2024-08-16T12:15:18.777" v="41" actId="2711"/>
+        <pc:sldMkLst>
+          <pc:docMk/>
+          <pc:sldMk cId="2318041981" sldId="256"/>
+        </pc:sldMkLst>
+        <pc:spChg chg="mod">
+          <ac:chgData name="Hajela, Rajneesh" userId="f6292950-97fd-49ca-9891-0dcd5d1f2546" providerId="ADAL" clId="{6BB8B7F2-ED70-483D-9C0E-35C7E47A2E90}" dt="2024-08-16T12:15:18.777" v="41" actId="2711"/>
+          <ac:spMkLst>
+            <pc:docMk/>
+            <pc:sldMk cId="2318041981" sldId="256"/>
+            <ac:spMk id="3" creationId="{877D17A0-F058-A677-4EEE-6A11D9B466EF}"/>
+          </ac:spMkLst>
+        </pc:spChg>
+      </pc:sldChg>
+    </pc:docChg>
+  </pc:docChgLst>
+</pc:chgInfo>
 </file>
 
 <file path=ppt/slideLayouts/slideLayout1.xml><?xml version="1.0" encoding="utf-8"?>
@@ -6240,7 +6277,7 @@
         </p:spPr>
         <p:txBody>
           <a:bodyPr>
-            <a:normAutofit/>
+            <a:normAutofit fontScale="85000" lnSpcReduction="20000"/>
           </a:bodyPr>
           <a:lstStyle/>
           <a:p>
@@ -6309,7 +6346,42 @@
                 <a:ea typeface="ADLaM Display" panose="020F0502020204030204" pitchFamily="2" charset="0"/>
                 <a:cs typeface="ADLaM Display" panose="020F0502020204030204" pitchFamily="2" charset="0"/>
               </a:rPr>
-              <a:t>Prevention </a:t>
+              <a:t>Prevention</a:t>
+            </a:r>
+          </a:p>
+          <a:p>
+            <a:pPr>
+              <a:lnSpc>
+                <a:spcPct val="90000"/>
+              </a:lnSpc>
+            </a:pPr>
+            <a:endParaRPr lang="en-IN" sz="4400" dirty="0">
+              <a:latin typeface="ADLaM Display" panose="020F0502020204030204" pitchFamily="2" charset="0"/>
+              <a:ea typeface="ADLaM Display" panose="020F0502020204030204" pitchFamily="2" charset="0"/>
+              <a:cs typeface="ADLaM Display" panose="020F0502020204030204" pitchFamily="2" charset="0"/>
+            </a:endParaRPr>
+          </a:p>
+          <a:p>
+            <a:pPr>
+              <a:lnSpc>
+                <a:spcPct val="90000"/>
+              </a:lnSpc>
+            </a:pPr>
+            <a:r>
+              <a:rPr lang="en-IN" sz="3200" dirty="0">
+                <a:latin typeface="Algerian" panose="04020705040A02060702" pitchFamily="82" charset="0"/>
+                <a:ea typeface="ADLaM Display" panose="020F0502020204030204" pitchFamily="2" charset="0"/>
+                <a:cs typeface="ADLaM Display" panose="020F0502020204030204" pitchFamily="2" charset="0"/>
+              </a:rPr>
+              <a:t>Made by Mohit Hajela SKS</a:t>
+            </a:r>
+            <a:r>
+              <a:rPr lang="en-IN" sz="4400" dirty="0">
+                <a:latin typeface="Algerian" panose="04020705040A02060702" pitchFamily="82" charset="0"/>
+                <a:ea typeface="ADLaM Display" panose="020F0502020204030204" pitchFamily="2" charset="0"/>
+                <a:cs typeface="ADLaM Display" panose="020F0502020204030204" pitchFamily="2" charset="0"/>
+              </a:rPr>
+              <a:t> </a:t>
             </a:r>
           </a:p>
           <a:p>
@@ -6681,9 +6753,9 @@
                             </p:stCondLst>
                             <p:childTnLst>
                               <p:par>
-                                <p:cTn id="23" presetID="26" presetClass="entr" presetSubtype="0" fill="hold" grpId="1" nodeType="clickEffect">
+                                <p:cTn id="23" presetID="2" presetClass="entr" presetSubtype="4" fill="hold" grpId="0" nodeType="clickEffect">
                                   <p:stCondLst>
-                                    <p:cond delay="0"/>
+                                    <p:cond delay="1500"/>
                                   </p:stCondLst>
                                   <p:childTnLst>
                                     <p:set>
@@ -6696,6 +6768,109 @@
                                         <p:tgtEl>
                                           <p:spTgt spid="3">
                                             <p:txEl>
+                                              <p:pRg st="6" end="6"/>
+                                            </p:txEl>
+                                          </p:spTgt>
+                                        </p:tgtEl>
+                                        <p:attrNameLst>
+                                          <p:attrName>style.visibility</p:attrName>
+                                        </p:attrNameLst>
+                                      </p:cBhvr>
+                                      <p:to>
+                                        <p:strVal val="visible"/>
+                                      </p:to>
+                                    </p:set>
+                                    <p:anim calcmode="lin" valueType="num">
+                                      <p:cBhvr additive="base">
+                                        <p:cTn id="25" dur="500" fill="hold"/>
+                                        <p:tgtEl>
+                                          <p:spTgt spid="3">
+                                            <p:txEl>
+                                              <p:pRg st="6" end="6"/>
+                                            </p:txEl>
+                                          </p:spTgt>
+                                        </p:tgtEl>
+                                        <p:attrNameLst>
+                                          <p:attrName>ppt_x</p:attrName>
+                                        </p:attrNameLst>
+                                      </p:cBhvr>
+                                      <p:tavLst>
+                                        <p:tav tm="0">
+                                          <p:val>
+                                            <p:strVal val="#ppt_x"/>
+                                          </p:val>
+                                        </p:tav>
+                                        <p:tav tm="100000">
+                                          <p:val>
+                                            <p:strVal val="#ppt_x"/>
+                                          </p:val>
+                                        </p:tav>
+                                      </p:tavLst>
+                                    </p:anim>
+                                    <p:anim calcmode="lin" valueType="num">
+                                      <p:cBhvr additive="base">
+                                        <p:cTn id="26" dur="500" fill="hold"/>
+                                        <p:tgtEl>
+                                          <p:spTgt spid="3">
+                                            <p:txEl>
+                                              <p:pRg st="6" end="6"/>
+                                            </p:txEl>
+                                          </p:spTgt>
+                                        </p:tgtEl>
+                                        <p:attrNameLst>
+                                          <p:attrName>ppt_y</p:attrName>
+                                        </p:attrNameLst>
+                                      </p:cBhvr>
+                                      <p:tavLst>
+                                        <p:tav tm="0">
+                                          <p:val>
+                                            <p:strVal val="1+#ppt_h/2"/>
+                                          </p:val>
+                                        </p:tav>
+                                        <p:tav tm="100000">
+                                          <p:val>
+                                            <p:strVal val="#ppt_y"/>
+                                          </p:val>
+                                        </p:tav>
+                                      </p:tavLst>
+                                    </p:anim>
+                                  </p:childTnLst>
+                                </p:cTn>
+                              </p:par>
+                            </p:childTnLst>
+                          </p:cTn>
+                        </p:par>
+                      </p:childTnLst>
+                    </p:cTn>
+                  </p:par>
+                  <p:par>
+                    <p:cTn id="27" fill="hold">
+                      <p:stCondLst>
+                        <p:cond delay="indefinite"/>
+                      </p:stCondLst>
+                      <p:childTnLst>
+                        <p:par>
+                          <p:cTn id="28" fill="hold">
+                            <p:stCondLst>
+                              <p:cond delay="0"/>
+                            </p:stCondLst>
+                            <p:childTnLst>
+                              <p:par>
+                                <p:cTn id="29" presetID="26" presetClass="entr" presetSubtype="0" fill="hold" grpId="1" nodeType="clickEffect">
+                                  <p:stCondLst>
+                                    <p:cond delay="0"/>
+                                  </p:stCondLst>
+                                  <p:childTnLst>
+                                    <p:set>
+                                      <p:cBhvr>
+                                        <p:cTn id="30" dur="1" fill="hold">
+                                          <p:stCondLst>
+                                            <p:cond delay="0"/>
+                                          </p:stCondLst>
+                                        </p:cTn>
+                                        <p:tgtEl>
+                                          <p:spTgt spid="3">
+                                            <p:txEl>
                                               <p:pRg st="0" end="0"/>
                                             </p:txEl>
                                           </p:spTgt>
@@ -6710,7 +6885,7 @@
                                     </p:set>
                                     <p:animEffect transition="in" filter="wipe(down)">
                                       <p:cBhvr>
-                                        <p:cTn id="25" dur="580">
+                                        <p:cTn id="31" dur="580">
                                           <p:stCondLst>
                                             <p:cond delay="0"/>
                                           </p:stCondLst>
@@ -6726,7 +6901,7 @@
                                     </p:animEffect>
                                     <p:anim calcmode="lin" valueType="num">
                                       <p:cBhvr>
-                                        <p:cTn id="26" dur="1822" tmFilter="0,0; 0.14,0.36; 0.43,0.73; 0.71,0.91; 1.0,1.0">
+                                        <p:cTn id="32" dur="1822" tmFilter="0,0; 0.14,0.36; 0.43,0.73; 0.71,0.91; 1.0,1.0">
                                           <p:stCondLst>
                                             <p:cond delay="0"/>
                                           </p:stCondLst>
@@ -6757,7 +6932,7 @@
                                     </p:anim>
                                     <p:anim calcmode="lin" valueType="num">
                                       <p:cBhvr>
-                                        <p:cTn id="27" dur="664" tmFilter="0.0,0.0; 0.25,0.07; 0.50,0.2; 0.75,0.467; 1.0,1.0">
+                                        <p:cTn id="33" dur="664" tmFilter="0.0,0.0; 0.25,0.07; 0.50,0.2; 0.75,0.467; 1.0,1.0">
                                           <p:stCondLst>
                                             <p:cond delay="0"/>
                                           </p:stCondLst>
@@ -6788,7 +6963,7 @@
                                     </p:anim>
                                     <p:anim calcmode="lin" valueType="num">
                                       <p:cBhvr>
-                                        <p:cTn id="28" dur="664" tmFilter="0, 0; 0.125,0.2665; 0.25,0.4; 0.375,0.465; 0.5,0.5;  0.625,0.535; 0.75,0.6; 0.875,0.7335; 1,1">
+                                        <p:cTn id="34" dur="664" tmFilter="0, 0; 0.125,0.2665; 0.25,0.4; 0.375,0.465; 0.5,0.5;  0.625,0.535; 0.75,0.6; 0.875,0.7335; 1,1">
                                           <p:stCondLst>
                                             <p:cond delay="664"/>
                                           </p:stCondLst>
@@ -6819,7 +6994,7 @@
                                     </p:anim>
                                     <p:anim calcmode="lin" valueType="num">
                                       <p:cBhvr>
-                                        <p:cTn id="29" dur="332" tmFilter="0, 0; 0.125,0.2665; 0.25,0.4; 0.375,0.465; 0.5,0.5;  0.625,0.535; 0.75,0.6; 0.875,0.7335; 1,1">
+                                        <p:cTn id="35" dur="332" tmFilter="0, 0; 0.125,0.2665; 0.25,0.4; 0.375,0.465; 0.5,0.5;  0.625,0.535; 0.75,0.6; 0.875,0.7335; 1,1">
                                           <p:stCondLst>
                                             <p:cond delay="1324"/>
                                           </p:stCondLst>
@@ -6850,7 +7025,7 @@
                                     </p:anim>
                                     <p:anim calcmode="lin" valueType="num">
                                       <p:cBhvr>
-                                        <p:cTn id="30" dur="164" tmFilter="0, 0; 0.125,0.2665; 0.25,0.4; 0.375,0.465; 0.5,0.5;  0.625,0.535; 0.75,0.6; 0.875,0.7335; 1,1">
+                                        <p:cTn id="36" dur="164" tmFilter="0, 0; 0.125,0.2665; 0.25,0.4; 0.375,0.465; 0.5,0.5;  0.625,0.535; 0.75,0.6; 0.875,0.7335; 1,1">
                                           <p:stCondLst>
                                             <p:cond delay="1656"/>
                                           </p:stCondLst>
@@ -6881,7 +7056,7 @@
                                     </p:anim>
                                     <p:animScale>
                                       <p:cBhvr>
-                                        <p:cTn id="31" dur="26">
+                                        <p:cTn id="37" dur="26">
                                           <p:stCondLst>
                                             <p:cond delay="650"/>
                                           </p:stCondLst>
@@ -6898,7 +7073,7 @@
                                     </p:animScale>
                                     <p:animScale>
                                       <p:cBhvr>
-                                        <p:cTn id="32" dur="166" decel="50000">
+                                        <p:cTn id="38" dur="166" decel="50000">
                                           <p:stCondLst>
                                             <p:cond delay="676"/>
                                           </p:stCondLst>
@@ -6915,7 +7090,7 @@
                                     </p:animScale>
                                     <p:animScale>
                                       <p:cBhvr>
-                                        <p:cTn id="33" dur="26">
+                                        <p:cTn id="39" dur="26">
                                           <p:stCondLst>
                                             <p:cond delay="1312"/>
                                           </p:stCondLst>
@@ -6932,7 +7107,7 @@
                                     </p:animScale>
                                     <p:animScale>
                                       <p:cBhvr>
-                                        <p:cTn id="34" dur="166" decel="50000">
+                                        <p:cTn id="40" dur="166" decel="50000">
                                           <p:stCondLst>
                                             <p:cond delay="1338"/>
                                           </p:stCondLst>
@@ -6949,7 +7124,7 @@
                                     </p:animScale>
                                     <p:animScale>
                                       <p:cBhvr>
-                                        <p:cTn id="35" dur="26">
+                                        <p:cTn id="41" dur="26">
                                           <p:stCondLst>
                                             <p:cond delay="1642"/>
                                           </p:stCondLst>
@@ -6966,7 +7141,7 @@
                                     </p:animScale>
                                     <p:animScale>
                                       <p:cBhvr>
-                                        <p:cTn id="36" dur="166" decel="50000">
+                                        <p:cTn id="42" dur="166" decel="50000">
                                           <p:stCondLst>
                                             <p:cond delay="1668"/>
                                           </p:stCondLst>
@@ -6983,7 +7158,7 @@
                                     </p:animScale>
                                     <p:animScale>
                                       <p:cBhvr>
-                                        <p:cTn id="37" dur="26">
+                                        <p:cTn id="43" dur="26">
                                           <p:stCondLst>
                                             <p:cond delay="1808"/>
                                           </p:stCondLst>
@@ -7000,7 +7175,7 @@
                                     </p:animScale>
                                     <p:animScale>
                                       <p:cBhvr>
-                                        <p:cTn id="38" dur="166" decel="50000">
+                                        <p:cTn id="44" dur="166" decel="50000">
                                           <p:stCondLst>
                                             <p:cond delay="1834"/>
                                           </p:stCondLst>
@@ -7025,26 +7200,26 @@
                     </p:cTn>
                   </p:par>
                   <p:par>
-                    <p:cTn id="39" fill="hold">
+                    <p:cTn id="45" fill="hold">
                       <p:stCondLst>
                         <p:cond delay="indefinite"/>
                       </p:stCondLst>
                       <p:childTnLst>
                         <p:par>
-                          <p:cTn id="40" fill="hold">
+                          <p:cTn id="46" fill="hold">
                             <p:stCondLst>
                               <p:cond delay="0"/>
                             </p:stCondLst>
                             <p:childTnLst>
                               <p:par>
-                                <p:cTn id="41" presetID="26" presetClass="entr" presetSubtype="0" fill="hold" grpId="1" nodeType="clickEffect">
+                                <p:cTn id="47" presetID="26" presetClass="entr" presetSubtype="0" fill="hold" grpId="1" nodeType="clickEffect">
                                   <p:stCondLst>
                                     <p:cond delay="0"/>
                                   </p:stCondLst>
                                   <p:childTnLst>
                                     <p:set>
                                       <p:cBhvr>
-                                        <p:cTn id="42" dur="1" fill="hold">
+                                        <p:cTn id="48" dur="1" fill="hold">
                                           <p:stCondLst>
                                             <p:cond delay="0"/>
                                           </p:stCondLst>
@@ -7066,7 +7241,7 @@
                                     </p:set>
                                     <p:animEffect transition="in" filter="wipe(down)">
                                       <p:cBhvr>
-                                        <p:cTn id="43" dur="580">
+                                        <p:cTn id="49" dur="580">
                                           <p:stCondLst>
                                             <p:cond delay="0"/>
                                           </p:stCondLst>
@@ -7082,7 +7257,7 @@
                                     </p:animEffect>
                                     <p:anim calcmode="lin" valueType="num">
                                       <p:cBhvr>
-                                        <p:cTn id="44" dur="1822" tmFilter="0,0; 0.14,0.36; 0.43,0.73; 0.71,0.91; 1.0,1.0">
+                                        <p:cTn id="50" dur="1822" tmFilter="0,0; 0.14,0.36; 0.43,0.73; 0.71,0.91; 1.0,1.0">
                                           <p:stCondLst>
                                             <p:cond delay="0"/>
                                           </p:stCondLst>
@@ -7113,7 +7288,7 @@
                                     </p:anim>
                                     <p:anim calcmode="lin" valueType="num">
                                       <p:cBhvr>
-                                        <p:cTn id="45" dur="664" tmFilter="0.0,0.0; 0.25,0.07; 0.50,0.2; 0.75,0.467; 1.0,1.0">
+                                        <p:cTn id="51" dur="664" tmFilter="0.0,0.0; 0.25,0.07; 0.50,0.2; 0.75,0.467; 1.0,1.0">
                                           <p:stCondLst>
                                             <p:cond delay="0"/>
                                           </p:stCondLst>
@@ -7144,7 +7319,7 @@
                                     </p:anim>
                                     <p:anim calcmode="lin" valueType="num">
                                       <p:cBhvr>
-                                        <p:cTn id="46" dur="664" tmFilter="0, 0; 0.125,0.2665; 0.25,0.4; 0.375,0.465; 0.5,0.5;  0.625,0.535; 0.75,0.6; 0.875,0.7335; 1,1">
+                                        <p:cTn id="52" dur="664" tmFilter="0, 0; 0.125,0.2665; 0.25,0.4; 0.375,0.465; 0.5,0.5;  0.625,0.535; 0.75,0.6; 0.875,0.7335; 1,1">
                                           <p:stCondLst>
                                             <p:cond delay="664"/>
                                           </p:stCondLst>
@@ -7175,7 +7350,7 @@
                                     </p:anim>
                                     <p:anim calcmode="lin" valueType="num">
                                       <p:cBhvr>
-                                        <p:cTn id="47" dur="332" tmFilter="0, 0; 0.125,0.2665; 0.25,0.4; 0.375,0.465; 0.5,0.5;  0.625,0.535; 0.75,0.6; 0.875,0.7335; 1,1">
+                                        <p:cTn id="53" dur="332" tmFilter="0, 0; 0.125,0.2665; 0.25,0.4; 0.375,0.465; 0.5,0.5;  0.625,0.535; 0.75,0.6; 0.875,0.7335; 1,1">
                                           <p:stCondLst>
                                             <p:cond delay="1324"/>
                                           </p:stCondLst>
@@ -7206,7 +7381,7 @@
                                     </p:anim>
                                     <p:anim calcmode="lin" valueType="num">
                                       <p:cBhvr>
-                                        <p:cTn id="48" dur="164" tmFilter="0, 0; 0.125,0.2665; 0.25,0.4; 0.375,0.465; 0.5,0.5;  0.625,0.535; 0.75,0.6; 0.875,0.7335; 1,1">
+                                        <p:cTn id="54" dur="164" tmFilter="0, 0; 0.125,0.2665; 0.25,0.4; 0.375,0.465; 0.5,0.5;  0.625,0.535; 0.75,0.6; 0.875,0.7335; 1,1">
                                           <p:stCondLst>
                                             <p:cond delay="1656"/>
                                           </p:stCondLst>
@@ -7237,7 +7412,7 @@
                                     </p:anim>
                                     <p:animScale>
                                       <p:cBhvr>
-                                        <p:cTn id="49" dur="26">
+                                        <p:cTn id="55" dur="26">
                                           <p:stCondLst>
                                             <p:cond delay="650"/>
                                           </p:stCondLst>
@@ -7254,7 +7429,7 @@
                                     </p:animScale>
                                     <p:animScale>
                                       <p:cBhvr>
-                                        <p:cTn id="50" dur="166" decel="50000">
+                                        <p:cTn id="56" dur="166" decel="50000">
                                           <p:stCondLst>
                                             <p:cond delay="676"/>
                                           </p:stCondLst>
@@ -7271,7 +7446,7 @@
                                     </p:animScale>
                                     <p:animScale>
                                       <p:cBhvr>
-                                        <p:cTn id="51" dur="26">
+                                        <p:cTn id="57" dur="26">
                                           <p:stCondLst>
                                             <p:cond delay="1312"/>
                                           </p:stCondLst>
@@ -7288,7 +7463,7 @@
                                     </p:animScale>
                                     <p:animScale>
                                       <p:cBhvr>
-                                        <p:cTn id="52" dur="166" decel="50000">
+                                        <p:cTn id="58" dur="166" decel="50000">
                                           <p:stCondLst>
                                             <p:cond delay="1338"/>
                                           </p:stCondLst>
@@ -7305,7 +7480,7 @@
                                     </p:animScale>
                                     <p:animScale>
                                       <p:cBhvr>
-                                        <p:cTn id="53" dur="26">
+                                        <p:cTn id="59" dur="26">
                                           <p:stCondLst>
                                             <p:cond delay="1642"/>
                                           </p:stCondLst>
@@ -7322,7 +7497,7 @@
                                     </p:animScale>
                                     <p:animScale>
                                       <p:cBhvr>
-                                        <p:cTn id="54" dur="166" decel="50000">
+                                        <p:cTn id="60" dur="166" decel="50000">
                                           <p:stCondLst>
                                             <p:cond delay="1668"/>
                                           </p:stCondLst>
@@ -7339,7 +7514,7 @@
                                     </p:animScale>
                                     <p:animScale>
                                       <p:cBhvr>
-                                        <p:cTn id="55" dur="26">
+                                        <p:cTn id="61" dur="26">
                                           <p:stCondLst>
                                             <p:cond delay="1808"/>
                                           </p:stCondLst>
@@ -7356,7 +7531,7 @@
                                     </p:animScale>
                                     <p:animScale>
                                       <p:cBhvr>
-                                        <p:cTn id="56" dur="166" decel="50000">
+                                        <p:cTn id="62" dur="166" decel="50000">
                                           <p:stCondLst>
                                             <p:cond delay="1834"/>
                                           </p:stCondLst>
@@ -7381,26 +7556,26 @@
                     </p:cTn>
                   </p:par>
                   <p:par>
-                    <p:cTn id="57" fill="hold">
+                    <p:cTn id="63" fill="hold">
                       <p:stCondLst>
                         <p:cond delay="indefinite"/>
                       </p:stCondLst>
                       <p:childTnLst>
                         <p:par>
-                          <p:cTn id="58" fill="hold">
+                          <p:cTn id="64" fill="hold">
                             <p:stCondLst>
                               <p:cond delay="0"/>
                             </p:stCondLst>
                             <p:childTnLst>
                               <p:par>
-                                <p:cTn id="59" presetID="26" presetClass="entr" presetSubtype="0" fill="hold" grpId="1" nodeType="clickEffect">
+                                <p:cTn id="65" presetID="26" presetClass="entr" presetSubtype="0" fill="hold" grpId="1" nodeType="clickEffect">
                                   <p:stCondLst>
                                     <p:cond delay="0"/>
                                   </p:stCondLst>
                                   <p:childTnLst>
                                     <p:set>
                                       <p:cBhvr>
-                                        <p:cTn id="60" dur="1" fill="hold">
+                                        <p:cTn id="66" dur="1" fill="hold">
                                           <p:stCondLst>
                                             <p:cond delay="0"/>
                                           </p:stCondLst>
@@ -7422,7 +7597,7 @@
                                     </p:set>
                                     <p:animEffect transition="in" filter="wipe(down)">
                                       <p:cBhvr>
-                                        <p:cTn id="61" dur="580">
+                                        <p:cTn id="67" dur="580">
                                           <p:stCondLst>
                                             <p:cond delay="0"/>
                                           </p:stCondLst>
@@ -7438,7 +7613,7 @@
                                     </p:animEffect>
                                     <p:anim calcmode="lin" valueType="num">
                                       <p:cBhvr>
-                                        <p:cTn id="62" dur="1822" tmFilter="0,0; 0.14,0.36; 0.43,0.73; 0.71,0.91; 1.0,1.0">
+                                        <p:cTn id="68" dur="1822" tmFilter="0,0; 0.14,0.36; 0.43,0.73; 0.71,0.91; 1.0,1.0">
                                           <p:stCondLst>
                                             <p:cond delay="0"/>
                                           </p:stCondLst>
@@ -7469,7 +7644,7 @@
                                     </p:anim>
                                     <p:anim calcmode="lin" valueType="num">
                                       <p:cBhvr>
-                                        <p:cTn id="63" dur="664" tmFilter="0.0,0.0; 0.25,0.07; 0.50,0.2; 0.75,0.467; 1.0,1.0">
+                                        <p:cTn id="69" dur="664" tmFilter="0.0,0.0; 0.25,0.07; 0.50,0.2; 0.75,0.467; 1.0,1.0">
                                           <p:stCondLst>
                                             <p:cond delay="0"/>
                                           </p:stCondLst>
@@ -7500,7 +7675,7 @@
                                     </p:anim>
                                     <p:anim calcmode="lin" valueType="num">
                                       <p:cBhvr>
-                                        <p:cTn id="64" dur="664" tmFilter="0, 0; 0.125,0.2665; 0.25,0.4; 0.375,0.465; 0.5,0.5;  0.625,0.535; 0.75,0.6; 0.875,0.7335; 1,1">
+                                        <p:cTn id="70" dur="664" tmFilter="0, 0; 0.125,0.2665; 0.25,0.4; 0.375,0.465; 0.5,0.5;  0.625,0.535; 0.75,0.6; 0.875,0.7335; 1,1">
                                           <p:stCondLst>
                                             <p:cond delay="664"/>
                                           </p:stCondLst>
@@ -7531,7 +7706,7 @@
                                     </p:anim>
                                     <p:anim calcmode="lin" valueType="num">
                                       <p:cBhvr>
-                                        <p:cTn id="65" dur="332" tmFilter="0, 0; 0.125,0.2665; 0.25,0.4; 0.375,0.465; 0.5,0.5;  0.625,0.535; 0.75,0.6; 0.875,0.7335; 1,1">
+                                        <p:cTn id="71" dur="332" tmFilter="0, 0; 0.125,0.2665; 0.25,0.4; 0.375,0.465; 0.5,0.5;  0.625,0.535; 0.75,0.6; 0.875,0.7335; 1,1">
                                           <p:stCondLst>
                                             <p:cond delay="1324"/>
                                           </p:stCondLst>
@@ -7562,7 +7737,7 @@
                                     </p:anim>
                                     <p:anim calcmode="lin" valueType="num">
                                       <p:cBhvr>
-                                        <p:cTn id="66" dur="164" tmFilter="0, 0; 0.125,0.2665; 0.25,0.4; 0.375,0.465; 0.5,0.5;  0.625,0.535; 0.75,0.6; 0.875,0.7335; 1,1">
+                                        <p:cTn id="72" dur="164" tmFilter="0, 0; 0.125,0.2665; 0.25,0.4; 0.375,0.465; 0.5,0.5;  0.625,0.535; 0.75,0.6; 0.875,0.7335; 1,1">
                                           <p:stCondLst>
                                             <p:cond delay="1656"/>
                                           </p:stCondLst>
@@ -7593,7 +7768,7 @@
                                     </p:anim>
                                     <p:animScale>
                                       <p:cBhvr>
-                                        <p:cTn id="67" dur="26">
+                                        <p:cTn id="73" dur="26">
                                           <p:stCondLst>
                                             <p:cond delay="650"/>
                                           </p:stCondLst>
@@ -7610,7 +7785,7 @@
                                     </p:animScale>
                                     <p:animScale>
                                       <p:cBhvr>
-                                        <p:cTn id="68" dur="166" decel="50000">
+                                        <p:cTn id="74" dur="166" decel="50000">
                                           <p:stCondLst>
                                             <p:cond delay="676"/>
                                           </p:stCondLst>
@@ -7627,7 +7802,7 @@
                                     </p:animScale>
                                     <p:animScale>
                                       <p:cBhvr>
-                                        <p:cTn id="69" dur="26">
+                                        <p:cTn id="75" dur="26">
                                           <p:stCondLst>
                                             <p:cond delay="1312"/>
                                           </p:stCondLst>
@@ -7644,7 +7819,7 @@
                                     </p:animScale>
                                     <p:animScale>
                                       <p:cBhvr>
-                                        <p:cTn id="70" dur="166" decel="50000">
+                                        <p:cTn id="76" dur="166" decel="50000">
                                           <p:stCondLst>
                                             <p:cond delay="1338"/>
                                           </p:stCondLst>
@@ -7661,7 +7836,7 @@
                                     </p:animScale>
                                     <p:animScale>
                                       <p:cBhvr>
-                                        <p:cTn id="71" dur="26">
+                                        <p:cTn id="77" dur="26">
                                           <p:stCondLst>
                                             <p:cond delay="1642"/>
                                           </p:stCondLst>
@@ -7678,7 +7853,7 @@
                                     </p:animScale>
                                     <p:animScale>
                                       <p:cBhvr>
-                                        <p:cTn id="72" dur="166" decel="50000">
+                                        <p:cTn id="78" dur="166" decel="50000">
                                           <p:stCondLst>
                                             <p:cond delay="1668"/>
                                           </p:stCondLst>
@@ -7695,7 +7870,7 @@
                                     </p:animScale>
                                     <p:animScale>
                                       <p:cBhvr>
-                                        <p:cTn id="73" dur="26">
+                                        <p:cTn id="79" dur="26">
                                           <p:stCondLst>
                                             <p:cond delay="1808"/>
                                           </p:stCondLst>
@@ -7712,7 +7887,7 @@
                                     </p:animScale>
                                     <p:animScale>
                                       <p:cBhvr>
-                                        <p:cTn id="74" dur="166" decel="50000">
+                                        <p:cTn id="80" dur="166" decel="50000">
                                           <p:stCondLst>
                                             <p:cond delay="1834"/>
                                           </p:stCondLst>
@@ -7721,6 +7896,362 @@
                                           <p:spTgt spid="3">
                                             <p:txEl>
                                               <p:pRg st="4" end="4"/>
+                                            </p:txEl>
+                                          </p:spTgt>
+                                        </p:tgtEl>
+                                      </p:cBhvr>
+                                      <p:to x="100000" y="100000"/>
+                                    </p:animScale>
+                                  </p:childTnLst>
+                                </p:cTn>
+                              </p:par>
+                            </p:childTnLst>
+                          </p:cTn>
+                        </p:par>
+                      </p:childTnLst>
+                    </p:cTn>
+                  </p:par>
+                  <p:par>
+                    <p:cTn id="81" fill="hold">
+                      <p:stCondLst>
+                        <p:cond delay="indefinite"/>
+                      </p:stCondLst>
+                      <p:childTnLst>
+                        <p:par>
+                          <p:cTn id="82" fill="hold">
+                            <p:stCondLst>
+                              <p:cond delay="0"/>
+                            </p:stCondLst>
+                            <p:childTnLst>
+                              <p:par>
+                                <p:cTn id="83" presetID="26" presetClass="entr" presetSubtype="0" fill="hold" grpId="1" nodeType="clickEffect">
+                                  <p:stCondLst>
+                                    <p:cond delay="0"/>
+                                  </p:stCondLst>
+                                  <p:childTnLst>
+                                    <p:set>
+                                      <p:cBhvr>
+                                        <p:cTn id="84" dur="1" fill="hold">
+                                          <p:stCondLst>
+                                            <p:cond delay="0"/>
+                                          </p:stCondLst>
+                                        </p:cTn>
+                                        <p:tgtEl>
+                                          <p:spTgt spid="3">
+                                            <p:txEl>
+                                              <p:pRg st="6" end="6"/>
+                                            </p:txEl>
+                                          </p:spTgt>
+                                        </p:tgtEl>
+                                        <p:attrNameLst>
+                                          <p:attrName>style.visibility</p:attrName>
+                                        </p:attrNameLst>
+                                      </p:cBhvr>
+                                      <p:to>
+                                        <p:strVal val="visible"/>
+                                      </p:to>
+                                    </p:set>
+                                    <p:animEffect transition="in" filter="wipe(down)">
+                                      <p:cBhvr>
+                                        <p:cTn id="85" dur="580">
+                                          <p:stCondLst>
+                                            <p:cond delay="0"/>
+                                          </p:stCondLst>
+                                        </p:cTn>
+                                        <p:tgtEl>
+                                          <p:spTgt spid="3">
+                                            <p:txEl>
+                                              <p:pRg st="6" end="6"/>
+                                            </p:txEl>
+                                          </p:spTgt>
+                                        </p:tgtEl>
+                                      </p:cBhvr>
+                                    </p:animEffect>
+                                    <p:anim calcmode="lin" valueType="num">
+                                      <p:cBhvr>
+                                        <p:cTn id="86" dur="1822" tmFilter="0,0; 0.14,0.36; 0.43,0.73; 0.71,0.91; 1.0,1.0">
+                                          <p:stCondLst>
+                                            <p:cond delay="0"/>
+                                          </p:stCondLst>
+                                        </p:cTn>
+                                        <p:tgtEl>
+                                          <p:spTgt spid="3">
+                                            <p:txEl>
+                                              <p:pRg st="6" end="6"/>
+                                            </p:txEl>
+                                          </p:spTgt>
+                                        </p:tgtEl>
+                                        <p:attrNameLst>
+                                          <p:attrName>ppt_x</p:attrName>
+                                        </p:attrNameLst>
+                                      </p:cBhvr>
+                                      <p:tavLst>
+                                        <p:tav tm="0">
+                                          <p:val>
+                                            <p:strVal val="#ppt_x-0.25"/>
+                                          </p:val>
+                                        </p:tav>
+                                        <p:tav tm="100000">
+                                          <p:val>
+                                            <p:strVal val="#ppt_x"/>
+                                          </p:val>
+                                        </p:tav>
+                                      </p:tavLst>
+                                    </p:anim>
+                                    <p:anim calcmode="lin" valueType="num">
+                                      <p:cBhvr>
+                                        <p:cTn id="87" dur="664" tmFilter="0.0,0.0; 0.25,0.07; 0.50,0.2; 0.75,0.467; 1.0,1.0">
+                                          <p:stCondLst>
+                                            <p:cond delay="0"/>
+                                          </p:stCondLst>
+                                        </p:cTn>
+                                        <p:tgtEl>
+                                          <p:spTgt spid="3">
+                                            <p:txEl>
+                                              <p:pRg st="6" end="6"/>
+                                            </p:txEl>
+                                          </p:spTgt>
+                                        </p:tgtEl>
+                                        <p:attrNameLst>
+                                          <p:attrName>ppt_y</p:attrName>
+                                        </p:attrNameLst>
+                                      </p:cBhvr>
+                                      <p:tavLst>
+                                        <p:tav tm="0" fmla="#ppt_y-sin(pi*$)/3">
+                                          <p:val>
+                                            <p:fltVal val="0.5"/>
+                                          </p:val>
+                                        </p:tav>
+                                        <p:tav tm="100000">
+                                          <p:val>
+                                            <p:fltVal val="1"/>
+                                          </p:val>
+                                        </p:tav>
+                                      </p:tavLst>
+                                    </p:anim>
+                                    <p:anim calcmode="lin" valueType="num">
+                                      <p:cBhvr>
+                                        <p:cTn id="88" dur="664" tmFilter="0, 0; 0.125,0.2665; 0.25,0.4; 0.375,0.465; 0.5,0.5;  0.625,0.535; 0.75,0.6; 0.875,0.7335; 1,1">
+                                          <p:stCondLst>
+                                            <p:cond delay="664"/>
+                                          </p:stCondLst>
+                                        </p:cTn>
+                                        <p:tgtEl>
+                                          <p:spTgt spid="3">
+                                            <p:txEl>
+                                              <p:pRg st="6" end="6"/>
+                                            </p:txEl>
+                                          </p:spTgt>
+                                        </p:tgtEl>
+                                        <p:attrNameLst>
+                                          <p:attrName>ppt_y</p:attrName>
+                                        </p:attrNameLst>
+                                      </p:cBhvr>
+                                      <p:tavLst>
+                                        <p:tav tm="0" fmla="#ppt_y-sin(pi*$)/9">
+                                          <p:val>
+                                            <p:fltVal val="0"/>
+                                          </p:val>
+                                        </p:tav>
+                                        <p:tav tm="100000">
+                                          <p:val>
+                                            <p:fltVal val="1"/>
+                                          </p:val>
+                                        </p:tav>
+                                      </p:tavLst>
+                                    </p:anim>
+                                    <p:anim calcmode="lin" valueType="num">
+                                      <p:cBhvr>
+                                        <p:cTn id="89" dur="332" tmFilter="0, 0; 0.125,0.2665; 0.25,0.4; 0.375,0.465; 0.5,0.5;  0.625,0.535; 0.75,0.6; 0.875,0.7335; 1,1">
+                                          <p:stCondLst>
+                                            <p:cond delay="1324"/>
+                                          </p:stCondLst>
+                                        </p:cTn>
+                                        <p:tgtEl>
+                                          <p:spTgt spid="3">
+                                            <p:txEl>
+                                              <p:pRg st="6" end="6"/>
+                                            </p:txEl>
+                                          </p:spTgt>
+                                        </p:tgtEl>
+                                        <p:attrNameLst>
+                                          <p:attrName>ppt_y</p:attrName>
+                                        </p:attrNameLst>
+                                      </p:cBhvr>
+                                      <p:tavLst>
+                                        <p:tav tm="0" fmla="#ppt_y-sin(pi*$)/27">
+                                          <p:val>
+                                            <p:fltVal val="0"/>
+                                          </p:val>
+                                        </p:tav>
+                                        <p:tav tm="100000">
+                                          <p:val>
+                                            <p:fltVal val="1"/>
+                                          </p:val>
+                                        </p:tav>
+                                      </p:tavLst>
+                                    </p:anim>
+                                    <p:anim calcmode="lin" valueType="num">
+                                      <p:cBhvr>
+                                        <p:cTn id="90" dur="164" tmFilter="0, 0; 0.125,0.2665; 0.25,0.4; 0.375,0.465; 0.5,0.5;  0.625,0.535; 0.75,0.6; 0.875,0.7335; 1,1">
+                                          <p:stCondLst>
+                                            <p:cond delay="1656"/>
+                                          </p:stCondLst>
+                                        </p:cTn>
+                                        <p:tgtEl>
+                                          <p:spTgt spid="3">
+                                            <p:txEl>
+                                              <p:pRg st="6" end="6"/>
+                                            </p:txEl>
+                                          </p:spTgt>
+                                        </p:tgtEl>
+                                        <p:attrNameLst>
+                                          <p:attrName>ppt_y</p:attrName>
+                                        </p:attrNameLst>
+                                      </p:cBhvr>
+                                      <p:tavLst>
+                                        <p:tav tm="0" fmla="#ppt_y-sin(pi*$)/81">
+                                          <p:val>
+                                            <p:fltVal val="0"/>
+                                          </p:val>
+                                        </p:tav>
+                                        <p:tav tm="100000">
+                                          <p:val>
+                                            <p:fltVal val="1"/>
+                                          </p:val>
+                                        </p:tav>
+                                      </p:tavLst>
+                                    </p:anim>
+                                    <p:animScale>
+                                      <p:cBhvr>
+                                        <p:cTn id="91" dur="26">
+                                          <p:stCondLst>
+                                            <p:cond delay="650"/>
+                                          </p:stCondLst>
+                                        </p:cTn>
+                                        <p:tgtEl>
+                                          <p:spTgt spid="3">
+                                            <p:txEl>
+                                              <p:pRg st="6" end="6"/>
+                                            </p:txEl>
+                                          </p:spTgt>
+                                        </p:tgtEl>
+                                      </p:cBhvr>
+                                      <p:to x="100000" y="60000"/>
+                                    </p:animScale>
+                                    <p:animScale>
+                                      <p:cBhvr>
+                                        <p:cTn id="92" dur="166" decel="50000">
+                                          <p:stCondLst>
+                                            <p:cond delay="676"/>
+                                          </p:stCondLst>
+                                        </p:cTn>
+                                        <p:tgtEl>
+                                          <p:spTgt spid="3">
+                                            <p:txEl>
+                                              <p:pRg st="6" end="6"/>
+                                            </p:txEl>
+                                          </p:spTgt>
+                                        </p:tgtEl>
+                                      </p:cBhvr>
+                                      <p:to x="100000" y="100000"/>
+                                    </p:animScale>
+                                    <p:animScale>
+                                      <p:cBhvr>
+                                        <p:cTn id="93" dur="26">
+                                          <p:stCondLst>
+                                            <p:cond delay="1312"/>
+                                          </p:stCondLst>
+                                        </p:cTn>
+                                        <p:tgtEl>
+                                          <p:spTgt spid="3">
+                                            <p:txEl>
+                                              <p:pRg st="6" end="6"/>
+                                            </p:txEl>
+                                          </p:spTgt>
+                                        </p:tgtEl>
+                                      </p:cBhvr>
+                                      <p:to x="100000" y="80000"/>
+                                    </p:animScale>
+                                    <p:animScale>
+                                      <p:cBhvr>
+                                        <p:cTn id="94" dur="166" decel="50000">
+                                          <p:stCondLst>
+                                            <p:cond delay="1338"/>
+                                          </p:stCondLst>
+                                        </p:cTn>
+                                        <p:tgtEl>
+                                          <p:spTgt spid="3">
+                                            <p:txEl>
+                                              <p:pRg st="6" end="6"/>
+                                            </p:txEl>
+                                          </p:spTgt>
+                                        </p:tgtEl>
+                                      </p:cBhvr>
+                                      <p:to x="100000" y="100000"/>
+                                    </p:animScale>
+                                    <p:animScale>
+                                      <p:cBhvr>
+                                        <p:cTn id="95" dur="26">
+                                          <p:stCondLst>
+                                            <p:cond delay="1642"/>
+                                          </p:stCondLst>
+                                        </p:cTn>
+                                        <p:tgtEl>
+                                          <p:spTgt spid="3">
+                                            <p:txEl>
+                                              <p:pRg st="6" end="6"/>
+                                            </p:txEl>
+                                          </p:spTgt>
+                                        </p:tgtEl>
+                                      </p:cBhvr>
+                                      <p:to x="100000" y="90000"/>
+                                    </p:animScale>
+                                    <p:animScale>
+                                      <p:cBhvr>
+                                        <p:cTn id="96" dur="166" decel="50000">
+                                          <p:stCondLst>
+                                            <p:cond delay="1668"/>
+                                          </p:stCondLst>
+                                        </p:cTn>
+                                        <p:tgtEl>
+                                          <p:spTgt spid="3">
+                                            <p:txEl>
+                                              <p:pRg st="6" end="6"/>
+                                            </p:txEl>
+                                          </p:spTgt>
+                                        </p:tgtEl>
+                                      </p:cBhvr>
+                                      <p:to x="100000" y="100000"/>
+                                    </p:animScale>
+                                    <p:animScale>
+                                      <p:cBhvr>
+                                        <p:cTn id="97" dur="26">
+                                          <p:stCondLst>
+                                            <p:cond delay="1808"/>
+                                          </p:stCondLst>
+                                        </p:cTn>
+                                        <p:tgtEl>
+                                          <p:spTgt spid="3">
+                                            <p:txEl>
+                                              <p:pRg st="6" end="6"/>
+                                            </p:txEl>
+                                          </p:spTgt>
+                                        </p:tgtEl>
+                                      </p:cBhvr>
+                                      <p:to x="100000" y="95000"/>
+                                    </p:animScale>
+                                    <p:animScale>
+                                      <p:cBhvr>
+                                        <p:cTn id="98" dur="166" decel="50000">
+                                          <p:stCondLst>
+                                            <p:cond delay="1834"/>
+                                          </p:stCondLst>
+                                        </p:cTn>
+                                        <p:tgtEl>
+                                          <p:spTgt spid="3">
+                                            <p:txEl>
+                                              <p:pRg st="6" end="6"/>
                                             </p:txEl>
                                           </p:spTgt>
                                         </p:tgtEl>
